--- a/2DO Project Presentation.pptx
+++ b/2DO Project Presentation.pptx
@@ -31806,14 +31806,14 @@
             <p:ph sz="half" idx="1"/>
             <p:extLst>
               <p:ext uri="{D42A27DB-BD31-4B8C-83A1-F6EECF244321}">
-                <p14:modId xmlns:p14="http://schemas.microsoft.com/office/powerpoint/2010/main" val="867078490"/>
+                <p14:modId xmlns:p14="http://schemas.microsoft.com/office/powerpoint/2010/main" val="10493775"/>
               </p:ext>
             </p:extLst>
           </p:nvPr>
         </p:nvGraphicFramePr>
         <p:xfrm>
-          <a:off x="755650" y="1336715"/>
-          <a:ext cx="10930828" cy="4644366"/>
+          <a:off x="755650" y="1336714"/>
+          <a:ext cx="10930828" cy="4841061"/>
         </p:xfrm>
         <a:graphic>
           <a:graphicData uri="http://schemas.openxmlformats.org/drawingml/2006/table">
@@ -31851,7 +31851,7 @@
                   </a:extLst>
                 </a:gridCol>
               </a:tblGrid>
-              <a:tr h="524108">
+              <a:tr h="619485">
                 <a:tc>
                   <a:txBody>
                     <a:bodyPr/>
@@ -31947,7 +31947,7 @@
                   </a:ext>
                 </a:extLst>
               </a:tr>
-              <a:tr h="2141035">
+              <a:tr h="4221576">
                 <a:tc>
                   <a:txBody>
                     <a:bodyPr/>
@@ -32062,7 +32062,7 @@
                           <a:ea typeface="+mn-ea"/>
                           <a:cs typeface="+mn-cs"/>
                         </a:rPr>
-                        <a:t> To overcome this challenge, I implemented a two-fold solution. First, I created a dedicated screen for adding new </a:t>
+                        <a:t> I implemented a two-fold solution, creating a dedicated screen for adding new </a:t>
                       </a:r>
                       <a:r>
                         <a:rPr lang="en-US" sz="1200" b="0" i="0" kern="1200" dirty="0" err="1">
@@ -32158,7 +32158,7 @@
                           <a:ea typeface="+mn-ea"/>
                           <a:cs typeface="+mn-cs"/>
                         </a:rPr>
-                        <a:t> page. This restructuring improved code modularity and helped in isolating and resolving errors effectively.</a:t>
+                        <a:t> page. This improved code modularity.</a:t>
                       </a:r>
                     </a:p>
                     <a:p>
@@ -32204,31 +32204,7 @@
                           <a:ea typeface="+mn-ea"/>
                           <a:cs typeface="+mn-cs"/>
                         </a:rPr>
-                        <a:t> Initially, all the code for creating and managing </a:t>
-                      </a:r>
-                      <a:r>
-                        <a:rPr lang="en-US" sz="1200" b="0" i="0" kern="1200" dirty="0" err="1">
-                          <a:solidFill>
-                            <a:schemeClr val="tx1"/>
-                          </a:solidFill>
-                          <a:effectLst/>
-                          <a:latin typeface="Montserrat" pitchFamily="2" charset="0"/>
-                          <a:ea typeface="+mn-ea"/>
-                          <a:cs typeface="+mn-cs"/>
-                        </a:rPr>
-                        <a:t>todos</a:t>
-                      </a:r>
-                      <a:r>
-                        <a:rPr lang="en-US" sz="1200" b="0" i="0" kern="1200" dirty="0">
-                          <a:solidFill>
-                            <a:schemeClr val="tx1"/>
-                          </a:solidFill>
-                          <a:effectLst/>
-                          <a:latin typeface="Montserrat" pitchFamily="2" charset="0"/>
-                          <a:ea typeface="+mn-ea"/>
-                          <a:cs typeface="+mn-cs"/>
-                        </a:rPr>
-                        <a:t> was handled on a single screen, causing several issues. The code became lengthy and challenging to manage, resulting in errors that were hard to pinpoint and fix.</a:t>
+                        <a:t> Ensuring that the app continues to function even when they API service is temporarily unavailable, or if the user entered an invalid city name.</a:t>
                       </a:r>
                     </a:p>
                     <a:p>
@@ -32265,10 +32241,10 @@
                           <a:ea typeface="+mn-ea"/>
                           <a:cs typeface="+mn-cs"/>
                         </a:rPr>
-                        <a:t> To overcome this challenge, I implemented a two-fold solution. First, I created a dedicated screen for adding new </a:t>
+                        <a:t> </a:t>
                       </a:r>
                       <a:r>
-                        <a:rPr lang="en-US" sz="1200" b="0" i="0" kern="1200" dirty="0" err="1">
+                        <a:rPr lang="en-US" sz="1200" b="0" i="0" kern="1200">
                           <a:solidFill>
                             <a:schemeClr val="tx1"/>
                           </a:solidFill>
@@ -32277,7 +32253,7 @@
                           <a:ea typeface="+mn-ea"/>
                           <a:cs typeface="+mn-cs"/>
                         </a:rPr>
-                        <a:t>todos</a:t>
+                        <a:t>Adding a CircularProgressIndicator</a:t>
                       </a:r>
                       <a:r>
                         <a:rPr lang="en-US" sz="1200" b="0" i="0" kern="1200" dirty="0">
@@ -32289,79 +32265,7 @@
                           <a:ea typeface="+mn-ea"/>
                           <a:cs typeface="+mn-cs"/>
                         </a:rPr>
-                        <a:t>. This separated the task of creating </a:t>
-                      </a:r>
-                      <a:r>
-                        <a:rPr lang="en-US" sz="1200" b="0" i="0" kern="1200" dirty="0" err="1">
-                          <a:solidFill>
-                            <a:schemeClr val="tx1"/>
-                          </a:solidFill>
-                          <a:effectLst/>
-                          <a:latin typeface="Montserrat" pitchFamily="2" charset="0"/>
-                          <a:ea typeface="+mn-ea"/>
-                          <a:cs typeface="+mn-cs"/>
-                        </a:rPr>
-                        <a:t>todos</a:t>
-                      </a:r>
-                      <a:r>
-                        <a:rPr lang="en-US" sz="1200" b="0" i="0" kern="1200" dirty="0">
-                          <a:solidFill>
-                            <a:schemeClr val="tx1"/>
-                          </a:solidFill>
-                          <a:effectLst/>
-                          <a:latin typeface="Montserrat" pitchFamily="2" charset="0"/>
-                          <a:ea typeface="+mn-ea"/>
-                          <a:cs typeface="+mn-cs"/>
-                        </a:rPr>
-                        <a:t> from the main display, making it more organized and manageable. Second, I developed a separate widget responsible for listing and displaying </a:t>
-                      </a:r>
-                      <a:r>
-                        <a:rPr lang="en-US" sz="1200" b="0" i="0" kern="1200" dirty="0" err="1">
-                          <a:solidFill>
-                            <a:schemeClr val="tx1"/>
-                          </a:solidFill>
-                          <a:effectLst/>
-                          <a:latin typeface="Montserrat" pitchFamily="2" charset="0"/>
-                          <a:ea typeface="+mn-ea"/>
-                          <a:cs typeface="+mn-cs"/>
-                        </a:rPr>
-                        <a:t>todos</a:t>
-                      </a:r>
-                      <a:r>
-                        <a:rPr lang="en-US" sz="1200" b="0" i="0" kern="1200" dirty="0">
-                          <a:solidFill>
-                            <a:schemeClr val="tx1"/>
-                          </a:solidFill>
-                          <a:effectLst/>
-                          <a:latin typeface="Montserrat" pitchFamily="2" charset="0"/>
-                          <a:ea typeface="+mn-ea"/>
-                          <a:cs typeface="+mn-cs"/>
-                        </a:rPr>
-                        <a:t> on the main </a:t>
-                      </a:r>
-                      <a:r>
-                        <a:rPr lang="en-US" sz="1200" b="0" i="0" kern="1200" dirty="0" err="1">
-                          <a:solidFill>
-                            <a:schemeClr val="tx1"/>
-                          </a:solidFill>
-                          <a:effectLst/>
-                          <a:latin typeface="Montserrat" pitchFamily="2" charset="0"/>
-                          <a:ea typeface="+mn-ea"/>
-                          <a:cs typeface="+mn-cs"/>
-                        </a:rPr>
-                        <a:t>todos</a:t>
-                      </a:r>
-                      <a:r>
-                        <a:rPr lang="en-US" sz="1200" b="0" i="0" kern="1200" dirty="0">
-                          <a:solidFill>
-                            <a:schemeClr val="tx1"/>
-                          </a:solidFill>
-                          <a:effectLst/>
-                          <a:latin typeface="Montserrat" pitchFamily="2" charset="0"/>
-                          <a:ea typeface="+mn-ea"/>
-                          <a:cs typeface="+mn-cs"/>
-                        </a:rPr>
-                        <a:t> page. This restructuring improved code modularity and helped in isolating and resolving errors effectively.</a:t>
+                        <a:t>() widget while the API connection is waiting, if the city name is invalid the currently displayed data won’t be changed.</a:t>
                       </a:r>
                     </a:p>
                   </a:txBody>
@@ -32503,31 +32407,7 @@
                           <a:ea typeface="+mn-ea"/>
                           <a:cs typeface="+mn-cs"/>
                         </a:rPr>
-                        <a:t> widget for Google users using Material </a:t>
-                      </a:r>
-                      <a:r>
-                        <a:rPr lang="en-US" sz="1200" b="0" i="0" kern="1200">
-                          <a:solidFill>
-                            <a:schemeClr val="tx1"/>
-                          </a:solidFill>
-                          <a:effectLst/>
-                          <a:latin typeface="Montserrat" pitchFamily="2" charset="0"/>
-                          <a:ea typeface="+mn-ea"/>
-                          <a:cs typeface="+mn-cs"/>
-                        </a:rPr>
-                        <a:t>instead of List </a:t>
-                      </a:r>
-                      <a:r>
-                        <a:rPr lang="en-US" sz="1200" b="0" i="0" kern="1200" dirty="0">
-                          <a:solidFill>
-                            <a:schemeClr val="tx1"/>
-                          </a:solidFill>
-                          <a:effectLst/>
-                          <a:latin typeface="Montserrat" pitchFamily="2" charset="0"/>
-                          <a:ea typeface="+mn-ea"/>
-                          <a:cs typeface="+mn-cs"/>
-                        </a:rPr>
-                        <a:t>View.</a:t>
+                        <a:t> widget for Google users using Material instead of List View.</a:t>
                       </a:r>
                       <a:endParaRPr lang="en-US" sz="1900" dirty="0">
                         <a:solidFill>
@@ -35813,6 +35693,15 @@
 </file>
 
 <file path=customXml/item1.xml><?xml version="1.0" encoding="utf-8"?>
+<?mso-contentType ?>
+<FormTemplates xmlns="http://schemas.microsoft.com/sharepoint/v3/contenttype/forms">
+  <Display>DocumentLibraryForm</Display>
+  <Edit>DocumentLibraryForm</Edit>
+  <New>DocumentLibraryForm</New>
+</FormTemplates>
+</file>
+
+<file path=customXml/item2.xml><?xml version="1.0" encoding="utf-8"?>
 <ct:contentTypeSchema xmlns:ct="http://schemas.microsoft.com/office/2006/metadata/contentType" xmlns:ma="http://schemas.microsoft.com/office/2006/metadata/properties/metaAttributes" ct:_="" ma:_="" ma:contentTypeName="Document" ma:contentTypeID="0x01010079F111ED35F8CC479449609E8A0923A6" ma:contentTypeVersion="28" ma:contentTypeDescription="Create a new document." ma:contentTypeScope="" ma:versionID="60f5a4f2d2b0abadcf532d48ebf9cb71">
   <xsd:schema xmlns:xsd="http://www.w3.org/2001/XMLSchema" xmlns:xs="http://www.w3.org/2001/XMLSchema" xmlns:p="http://schemas.microsoft.com/office/2006/metadata/properties" xmlns:ns1="http://schemas.microsoft.com/sharepoint/v3" xmlns:ns2="71af3243-3dd4-4a8d-8c0d-dd76da1f02a5" xmlns:ns3="16c05727-aa75-4e4a-9b5f-8a80a1165891" xmlns:ns4="230e9df3-be65-4c73-a93b-d1236ebd677e" targetNamespace="http://schemas.microsoft.com/office/2006/metadata/properties" ma:root="true" ma:fieldsID="7dd78129e6a1811f84807ad11c651531" ns1:_="" ns2:_="" ns3:_="" ns4:_="">
     <xsd:import namespace="http://schemas.microsoft.com/sharepoint/v3"/>
@@ -36124,15 +36013,6 @@
 </ct:contentTypeSchema>
 </file>
 
-<file path=customXml/item2.xml><?xml version="1.0" encoding="utf-8"?>
-<?mso-contentType ?>
-<FormTemplates xmlns="http://schemas.microsoft.com/sharepoint/v3/contenttype/forms">
-  <Display>DocumentLibraryForm</Display>
-  <Edit>DocumentLibraryForm</Edit>
-  <New>DocumentLibraryForm</New>
-</FormTemplates>
-</file>
-
 <file path=customXml/item3.xml><?xml version="1.0" encoding="utf-8"?>
 <p:properties xmlns:p="http://schemas.microsoft.com/office/2006/metadata/properties" xmlns:xsi="http://www.w3.org/2001/XMLSchema-instance" xmlns:pc="http://schemas.microsoft.com/office/infopath/2007/PartnerControls">
   <documentManagement>
@@ -36154,6 +36034,14 @@
 </file>
 
 <file path=customXml/itemProps1.xml><?xml version="1.0" encoding="utf-8"?>
+<ds:datastoreItem xmlns:ds="http://schemas.openxmlformats.org/officeDocument/2006/customXml" ds:itemID="{5117FA41-AE03-4A0A-A9B0-817CABD09473}">
+  <ds:schemaRefs>
+    <ds:schemaRef ds:uri="http://schemas.microsoft.com/sharepoint/v3/contenttype/forms"/>
+  </ds:schemaRefs>
+</ds:datastoreItem>
+</file>
+
+<file path=customXml/itemProps2.xml><?xml version="1.0" encoding="utf-8"?>
 <ds:datastoreItem xmlns:ds="http://schemas.openxmlformats.org/officeDocument/2006/customXml" ds:itemID="{52D6F65D-59DB-459C-812A-E954DE5F051F}">
   <ds:schemaRefs>
     <ds:schemaRef ds:uri="http://schemas.microsoft.com/office/2006/metadata/contentType"/>
@@ -36174,14 +36062,6 @@
 </ds:datastoreItem>
 </file>
 
-<file path=customXml/itemProps2.xml><?xml version="1.0" encoding="utf-8"?>
-<ds:datastoreItem xmlns:ds="http://schemas.openxmlformats.org/officeDocument/2006/customXml" ds:itemID="{5117FA41-AE03-4A0A-A9B0-817CABD09473}">
-  <ds:schemaRefs>
-    <ds:schemaRef ds:uri="http://schemas.microsoft.com/sharepoint/v3/contenttype/forms"/>
-  </ds:schemaRefs>
-</ds:datastoreItem>
-</file>
-
 <file path=customXml/itemProps3.xml><?xml version="1.0" encoding="utf-8"?>
 <ds:datastoreItem xmlns:ds="http://schemas.openxmlformats.org/officeDocument/2006/customXml" ds:itemID="{A4D542F6-3184-4387-BE39-8DA735EB5504}">
   <ds:schemaRefs>
